--- a/惜食平台_專題簡報.pptx
+++ b/惜食平台_專題簡報.pptx
@@ -5,7 +5,7 @@
     <p:sldMasterId id="2147483674" r:id="rId1"/>
   </p:sldMasterIdLst>
   <p:notesMasterIdLst>
-    <p:notesMasterId r:id="rId13"/>
+    <p:notesMasterId r:id="rId14"/>
   </p:notesMasterIdLst>
   <p:sldIdLst>
     <p:sldId id="256" r:id="rId2"/>
@@ -18,15 +18,12 @@
     <p:sldId id="307" r:id="rId9"/>
     <p:sldId id="308" r:id="rId10"/>
     <p:sldId id="304" r:id="rId11"/>
-    <p:sldId id="280" r:id="rId12"/>
+    <p:sldId id="309" r:id="rId12"/>
+    <p:sldId id="280" r:id="rId13"/>
   </p:sldIdLst>
   <p:sldSz cx="9144000" cy="5143500" type="screen16x9"/>
   <p:notesSz cx="6858000" cy="9144000"/>
   <p:embeddedFontLst>
-    <p:embeddedFont>
-      <p:font typeface="標楷體" panose="03000509000000000000" pitchFamily="65" charset="-120"/>
-      <p:regular r:id="rId14"/>
-    </p:embeddedFont>
     <p:embeddedFont>
       <p:font typeface="Basic" panose="02020500000000000000" charset="0"/>
       <p:regular r:id="rId15"/>
@@ -44,6 +41,10 @@
       <p:bold r:id="rId21"/>
       <p:italic r:id="rId22"/>
       <p:boldItalic r:id="rId23"/>
+    </p:embeddedFont>
+    <p:embeddedFont>
+      <p:font typeface="標楷體" panose="03000509000000000000" pitchFamily="65" charset="-120"/>
+      <p:regular r:id="rId24"/>
     </p:embeddedFont>
   </p:embeddedFontLst>
   <p:defaultTextStyle>
@@ -296,6 +297,484 @@
 
 <file path=ppt/changesInfos/changesInfo1.xml><?xml version="1.0" encoding="utf-8"?>
 <pc:chgInfo xmlns:a="http://schemas.openxmlformats.org/drawingml/2006/main" xmlns:r="http://schemas.openxmlformats.org/officeDocument/2006/relationships" xmlns:ac="http://schemas.microsoft.com/office/drawing/2013/main/command" xmlns:pc="http://schemas.microsoft.com/office/powerpoint/2013/main/command">
+  <pc:docChgLst>
+    <pc:chgData name="Apple Chen" userId="72ed978047974c08" providerId="LiveId" clId="{0177A3EC-3368-459D-AC9D-EB9863C8E641}"/>
+    <pc:docChg chg="undo redo custSel modSld">
+      <pc:chgData name="Apple Chen" userId="72ed978047974c08" providerId="LiveId" clId="{0177A3EC-3368-459D-AC9D-EB9863C8E641}" dt="2023-06-19T15:51:29.046" v="323" actId="1036"/>
+      <pc:docMkLst>
+        <pc:docMk/>
+      </pc:docMkLst>
+      <pc:sldChg chg="modSp mod">
+        <pc:chgData name="Apple Chen" userId="72ed978047974c08" providerId="LiveId" clId="{0177A3EC-3368-459D-AC9D-EB9863C8E641}" dt="2023-06-19T15:49:53.813" v="309" actId="404"/>
+        <pc:sldMkLst>
+          <pc:docMk/>
+          <pc:sldMk cId="0" sldId="256"/>
+        </pc:sldMkLst>
+        <pc:spChg chg="mod">
+          <ac:chgData name="Apple Chen" userId="72ed978047974c08" providerId="LiveId" clId="{0177A3EC-3368-459D-AC9D-EB9863C8E641}" dt="2023-06-19T15:40:23.964" v="216" actId="113"/>
+          <ac:spMkLst>
+            <pc:docMk/>
+            <pc:sldMk cId="0" sldId="256"/>
+            <ac:spMk id="164" creationId="{00000000-0000-0000-0000-000000000000}"/>
+          </ac:spMkLst>
+        </pc:spChg>
+        <pc:spChg chg="mod">
+          <ac:chgData name="Apple Chen" userId="72ed978047974c08" providerId="LiveId" clId="{0177A3EC-3368-459D-AC9D-EB9863C8E641}" dt="2023-06-19T15:49:53.813" v="309" actId="404"/>
+          <ac:spMkLst>
+            <pc:docMk/>
+            <pc:sldMk cId="0" sldId="256"/>
+            <ac:spMk id="165" creationId="{00000000-0000-0000-0000-000000000000}"/>
+          </ac:spMkLst>
+        </pc:spChg>
+      </pc:sldChg>
+      <pc:sldChg chg="addSp delSp modSp mod">
+        <pc:chgData name="Apple Chen" userId="72ed978047974c08" providerId="LiveId" clId="{0177A3EC-3368-459D-AC9D-EB9863C8E641}" dt="2023-06-19T15:43:29.635" v="234" actId="108"/>
+        <pc:sldMkLst>
+          <pc:docMk/>
+          <pc:sldMk cId="0" sldId="257"/>
+        </pc:sldMkLst>
+        <pc:spChg chg="add del mod">
+          <ac:chgData name="Apple Chen" userId="72ed978047974c08" providerId="LiveId" clId="{0177A3EC-3368-459D-AC9D-EB9863C8E641}" dt="2023-06-19T15:35:20.523" v="134" actId="478"/>
+          <ac:spMkLst>
+            <pc:docMk/>
+            <pc:sldMk cId="0" sldId="257"/>
+            <ac:spMk id="3" creationId="{02D8BF96-D225-871F-274C-CC0351B4A658}"/>
+          </ac:spMkLst>
+        </pc:spChg>
+        <pc:spChg chg="add mod">
+          <ac:chgData name="Apple Chen" userId="72ed978047974c08" providerId="LiveId" clId="{0177A3EC-3368-459D-AC9D-EB9863C8E641}" dt="2023-06-19T15:43:29.635" v="234" actId="108"/>
+          <ac:spMkLst>
+            <pc:docMk/>
+            <pc:sldMk cId="0" sldId="257"/>
+            <ac:spMk id="4" creationId="{834D2354-D63F-B4A3-E732-3D7DD8BC5D26}"/>
+          </ac:spMkLst>
+        </pc:spChg>
+        <pc:spChg chg="del">
+          <ac:chgData name="Apple Chen" userId="72ed978047974c08" providerId="LiveId" clId="{0177A3EC-3368-459D-AC9D-EB9863C8E641}" dt="2023-06-19T15:35:18.063" v="133" actId="478"/>
+          <ac:spMkLst>
+            <pc:docMk/>
+            <pc:sldMk cId="0" sldId="257"/>
+            <ac:spMk id="171" creationId="{00000000-0000-0000-0000-000000000000}"/>
+          </ac:spMkLst>
+        </pc:spChg>
+        <pc:spChg chg="mod">
+          <ac:chgData name="Apple Chen" userId="72ed978047974c08" providerId="LiveId" clId="{0177A3EC-3368-459D-AC9D-EB9863C8E641}" dt="2023-06-19T15:36:54.703" v="165" actId="1035"/>
+          <ac:spMkLst>
+            <pc:docMk/>
+            <pc:sldMk cId="0" sldId="257"/>
+            <ac:spMk id="172" creationId="{00000000-0000-0000-0000-000000000000}"/>
+          </ac:spMkLst>
+        </pc:spChg>
+      </pc:sldChg>
+      <pc:sldChg chg="modSp mod">
+        <pc:chgData name="Apple Chen" userId="72ed978047974c08" providerId="LiveId" clId="{0177A3EC-3368-459D-AC9D-EB9863C8E641}" dt="2023-06-19T15:42:49.475" v="231" actId="113"/>
+        <pc:sldMkLst>
+          <pc:docMk/>
+          <pc:sldMk cId="0" sldId="259"/>
+        </pc:sldMkLst>
+        <pc:spChg chg="mod">
+          <ac:chgData name="Apple Chen" userId="72ed978047974c08" providerId="LiveId" clId="{0177A3EC-3368-459D-AC9D-EB9863C8E641}" dt="2023-06-19T15:34:15.597" v="121" actId="1036"/>
+          <ac:spMkLst>
+            <pc:docMk/>
+            <pc:sldMk cId="0" sldId="259"/>
+            <ac:spMk id="2" creationId="{9C8E629A-0C1F-1A06-8302-FD57DE822038}"/>
+          </ac:spMkLst>
+        </pc:spChg>
+        <pc:spChg chg="mod">
+          <ac:chgData name="Apple Chen" userId="72ed978047974c08" providerId="LiveId" clId="{0177A3EC-3368-459D-AC9D-EB9863C8E641}" dt="2023-06-19T15:42:49.475" v="231" actId="113"/>
+          <ac:spMkLst>
+            <pc:docMk/>
+            <pc:sldMk cId="0" sldId="259"/>
+            <ac:spMk id="5" creationId="{06A901CC-711E-8B76-5959-918906571FC7}"/>
+          </ac:spMkLst>
+        </pc:spChg>
+        <pc:spChg chg="mod">
+          <ac:chgData name="Apple Chen" userId="72ed978047974c08" providerId="LiveId" clId="{0177A3EC-3368-459D-AC9D-EB9863C8E641}" dt="2023-06-19T15:42:49.475" v="231" actId="113"/>
+          <ac:spMkLst>
+            <pc:docMk/>
+            <pc:sldMk cId="0" sldId="259"/>
+            <ac:spMk id="185" creationId="{00000000-0000-0000-0000-000000000000}"/>
+          </ac:spMkLst>
+        </pc:spChg>
+        <pc:spChg chg="mod">
+          <ac:chgData name="Apple Chen" userId="72ed978047974c08" providerId="LiveId" clId="{0177A3EC-3368-459D-AC9D-EB9863C8E641}" dt="2023-06-19T15:42:49.475" v="231" actId="113"/>
+          <ac:spMkLst>
+            <pc:docMk/>
+            <pc:sldMk cId="0" sldId="259"/>
+            <ac:spMk id="187" creationId="{00000000-0000-0000-0000-000000000000}"/>
+          </ac:spMkLst>
+        </pc:spChg>
+        <pc:spChg chg="mod">
+          <ac:chgData name="Apple Chen" userId="72ed978047974c08" providerId="LiveId" clId="{0177A3EC-3368-459D-AC9D-EB9863C8E641}" dt="2023-06-19T15:42:29.513" v="230" actId="113"/>
+          <ac:spMkLst>
+            <pc:docMk/>
+            <pc:sldMk cId="0" sldId="259"/>
+            <ac:spMk id="188" creationId="{00000000-0000-0000-0000-000000000000}"/>
+          </ac:spMkLst>
+        </pc:spChg>
+        <pc:spChg chg="mod">
+          <ac:chgData name="Apple Chen" userId="72ed978047974c08" providerId="LiveId" clId="{0177A3EC-3368-459D-AC9D-EB9863C8E641}" dt="2023-06-19T15:42:49.475" v="231" actId="113"/>
+          <ac:spMkLst>
+            <pc:docMk/>
+            <pc:sldMk cId="0" sldId="259"/>
+            <ac:spMk id="190" creationId="{00000000-0000-0000-0000-000000000000}"/>
+          </ac:spMkLst>
+        </pc:spChg>
+        <pc:spChg chg="mod">
+          <ac:chgData name="Apple Chen" userId="72ed978047974c08" providerId="LiveId" clId="{0177A3EC-3368-459D-AC9D-EB9863C8E641}" dt="2023-06-19T15:34:15.597" v="121" actId="1036"/>
+          <ac:spMkLst>
+            <pc:docMk/>
+            <pc:sldMk cId="0" sldId="259"/>
+            <ac:spMk id="191" creationId="{00000000-0000-0000-0000-000000000000}"/>
+          </ac:spMkLst>
+        </pc:spChg>
+        <pc:spChg chg="mod">
+          <ac:chgData name="Apple Chen" userId="72ed978047974c08" providerId="LiveId" clId="{0177A3EC-3368-459D-AC9D-EB9863C8E641}" dt="2023-06-19T15:34:15.597" v="121" actId="1036"/>
+          <ac:spMkLst>
+            <pc:docMk/>
+            <pc:sldMk cId="0" sldId="259"/>
+            <ac:spMk id="192" creationId="{00000000-0000-0000-0000-000000000000}"/>
+          </ac:spMkLst>
+        </pc:spChg>
+        <pc:spChg chg="mod">
+          <ac:chgData name="Apple Chen" userId="72ed978047974c08" providerId="LiveId" clId="{0177A3EC-3368-459D-AC9D-EB9863C8E641}" dt="2023-06-19T15:34:15.597" v="121" actId="1036"/>
+          <ac:spMkLst>
+            <pc:docMk/>
+            <pc:sldMk cId="0" sldId="259"/>
+            <ac:spMk id="194" creationId="{00000000-0000-0000-0000-000000000000}"/>
+          </ac:spMkLst>
+        </pc:spChg>
+        <pc:spChg chg="mod">
+          <ac:chgData name="Apple Chen" userId="72ed978047974c08" providerId="LiveId" clId="{0177A3EC-3368-459D-AC9D-EB9863C8E641}" dt="2023-06-19T15:42:49.475" v="231" actId="113"/>
+          <ac:spMkLst>
+            <pc:docMk/>
+            <pc:sldMk cId="0" sldId="259"/>
+            <ac:spMk id="195" creationId="{00000000-0000-0000-0000-000000000000}"/>
+          </ac:spMkLst>
+        </pc:spChg>
+        <pc:spChg chg="mod">
+          <ac:chgData name="Apple Chen" userId="72ed978047974c08" providerId="LiveId" clId="{0177A3EC-3368-459D-AC9D-EB9863C8E641}" dt="2023-06-19T15:34:15.597" v="121" actId="1036"/>
+          <ac:spMkLst>
+            <pc:docMk/>
+            <pc:sldMk cId="0" sldId="259"/>
+            <ac:spMk id="196" creationId="{00000000-0000-0000-0000-000000000000}"/>
+          </ac:spMkLst>
+        </pc:spChg>
+        <pc:cxnChg chg="mod">
+          <ac:chgData name="Apple Chen" userId="72ed978047974c08" providerId="LiveId" clId="{0177A3EC-3368-459D-AC9D-EB9863C8E641}" dt="2023-06-19T15:34:15.597" v="121" actId="1036"/>
+          <ac:cxnSpMkLst>
+            <pc:docMk/>
+            <pc:sldMk cId="0" sldId="259"/>
+            <ac:cxnSpMk id="3" creationId="{C651FBC4-6C29-A3A1-2DAC-21CBDA613252}"/>
+          </ac:cxnSpMkLst>
+        </pc:cxnChg>
+        <pc:cxnChg chg="mod">
+          <ac:chgData name="Apple Chen" userId="72ed978047974c08" providerId="LiveId" clId="{0177A3EC-3368-459D-AC9D-EB9863C8E641}" dt="2023-06-19T15:34:15.597" v="121" actId="1036"/>
+          <ac:cxnSpMkLst>
+            <pc:docMk/>
+            <pc:sldMk cId="0" sldId="259"/>
+            <ac:cxnSpMk id="199" creationId="{00000000-0000-0000-0000-000000000000}"/>
+          </ac:cxnSpMkLst>
+        </pc:cxnChg>
+        <pc:cxnChg chg="mod">
+          <ac:chgData name="Apple Chen" userId="72ed978047974c08" providerId="LiveId" clId="{0177A3EC-3368-459D-AC9D-EB9863C8E641}" dt="2023-06-19T15:34:15.597" v="121" actId="1036"/>
+          <ac:cxnSpMkLst>
+            <pc:docMk/>
+            <pc:sldMk cId="0" sldId="259"/>
+            <ac:cxnSpMk id="200" creationId="{00000000-0000-0000-0000-000000000000}"/>
+          </ac:cxnSpMkLst>
+        </pc:cxnChg>
+        <pc:cxnChg chg="mod">
+          <ac:chgData name="Apple Chen" userId="72ed978047974c08" providerId="LiveId" clId="{0177A3EC-3368-459D-AC9D-EB9863C8E641}" dt="2023-06-19T15:34:15.597" v="121" actId="1036"/>
+          <ac:cxnSpMkLst>
+            <pc:docMk/>
+            <pc:sldMk cId="0" sldId="259"/>
+            <ac:cxnSpMk id="201" creationId="{00000000-0000-0000-0000-000000000000}"/>
+          </ac:cxnSpMkLst>
+        </pc:cxnChg>
+        <pc:cxnChg chg="mod">
+          <ac:chgData name="Apple Chen" userId="72ed978047974c08" providerId="LiveId" clId="{0177A3EC-3368-459D-AC9D-EB9863C8E641}" dt="2023-06-19T15:34:15.597" v="121" actId="1036"/>
+          <ac:cxnSpMkLst>
+            <pc:docMk/>
+            <pc:sldMk cId="0" sldId="259"/>
+            <ac:cxnSpMk id="202" creationId="{00000000-0000-0000-0000-000000000000}"/>
+          </ac:cxnSpMkLst>
+        </pc:cxnChg>
+      </pc:sldChg>
+      <pc:sldChg chg="modSp mod">
+        <pc:chgData name="Apple Chen" userId="72ed978047974c08" providerId="LiveId" clId="{0177A3EC-3368-459D-AC9D-EB9863C8E641}" dt="2023-06-19T15:42:23.690" v="229" actId="113"/>
+        <pc:sldMkLst>
+          <pc:docMk/>
+          <pc:sldMk cId="0" sldId="266"/>
+        </pc:sldMkLst>
+        <pc:spChg chg="mod">
+          <ac:chgData name="Apple Chen" userId="72ed978047974c08" providerId="LiveId" clId="{0177A3EC-3368-459D-AC9D-EB9863C8E641}" dt="2023-06-19T15:42:23.690" v="229" actId="113"/>
+          <ac:spMkLst>
+            <pc:docMk/>
+            <pc:sldMk cId="0" sldId="266"/>
+            <ac:spMk id="264" creationId="{00000000-0000-0000-0000-000000000000}"/>
+          </ac:spMkLst>
+        </pc:spChg>
+      </pc:sldChg>
+      <pc:sldChg chg="addSp modSp mod">
+        <pc:chgData name="Apple Chen" userId="72ed978047974c08" providerId="LiveId" clId="{0177A3EC-3368-459D-AC9D-EB9863C8E641}" dt="2023-06-19T15:51:29.046" v="323" actId="1036"/>
+        <pc:sldMkLst>
+          <pc:docMk/>
+          <pc:sldMk cId="0" sldId="280"/>
+        </pc:sldMkLst>
+        <pc:spChg chg="mod">
+          <ac:chgData name="Apple Chen" userId="72ed978047974c08" providerId="LiveId" clId="{0177A3EC-3368-459D-AC9D-EB9863C8E641}" dt="2023-06-19T15:51:29.046" v="323" actId="1036"/>
+          <ac:spMkLst>
+            <pc:docMk/>
+            <pc:sldMk cId="0" sldId="280"/>
+            <ac:spMk id="509" creationId="{00000000-0000-0000-0000-000000000000}"/>
+          </ac:spMkLst>
+        </pc:spChg>
+        <pc:picChg chg="add mod">
+          <ac:chgData name="Apple Chen" userId="72ed978047974c08" providerId="LiveId" clId="{0177A3EC-3368-459D-AC9D-EB9863C8E641}" dt="2023-06-19T15:37:23.272" v="168" actId="14100"/>
+          <ac:picMkLst>
+            <pc:docMk/>
+            <pc:sldMk cId="0" sldId="280"/>
+            <ac:picMk id="3" creationId="{02A5FE0B-0AFC-5D9A-AF82-7150F56306ED}"/>
+          </ac:picMkLst>
+        </pc:picChg>
+      </pc:sldChg>
+      <pc:sldChg chg="modSp mod">
+        <pc:chgData name="Apple Chen" userId="72ed978047974c08" providerId="LiveId" clId="{0177A3EC-3368-459D-AC9D-EB9863C8E641}" dt="2023-06-19T15:43:14.345" v="233" actId="113"/>
+        <pc:sldMkLst>
+          <pc:docMk/>
+          <pc:sldMk cId="2988326448" sldId="303"/>
+        </pc:sldMkLst>
+        <pc:spChg chg="mod">
+          <ac:chgData name="Apple Chen" userId="72ed978047974c08" providerId="LiveId" clId="{0177A3EC-3368-459D-AC9D-EB9863C8E641}" dt="2023-06-19T15:43:14.345" v="233" actId="113"/>
+          <ac:spMkLst>
+            <pc:docMk/>
+            <pc:sldMk cId="2988326448" sldId="303"/>
+            <ac:spMk id="171" creationId="{00000000-0000-0000-0000-000000000000}"/>
+          </ac:spMkLst>
+        </pc:spChg>
+        <pc:spChg chg="mod">
+          <ac:chgData name="Apple Chen" userId="72ed978047974c08" providerId="LiveId" clId="{0177A3EC-3368-459D-AC9D-EB9863C8E641}" dt="2023-06-19T15:35:04.999" v="131" actId="1076"/>
+          <ac:spMkLst>
+            <pc:docMk/>
+            <pc:sldMk cId="2988326448" sldId="303"/>
+            <ac:spMk id="172" creationId="{00000000-0000-0000-0000-000000000000}"/>
+          </ac:spMkLst>
+        </pc:spChg>
+      </pc:sldChg>
+      <pc:sldChg chg="addSp delSp modSp mod">
+        <pc:chgData name="Apple Chen" userId="72ed978047974c08" providerId="LiveId" clId="{0177A3EC-3368-459D-AC9D-EB9863C8E641}" dt="2023-06-19T15:49:02.353" v="294" actId="1076"/>
+        <pc:sldMkLst>
+          <pc:docMk/>
+          <pc:sldMk cId="3365621960" sldId="304"/>
+        </pc:sldMkLst>
+        <pc:spChg chg="add del mod">
+          <ac:chgData name="Apple Chen" userId="72ed978047974c08" providerId="LiveId" clId="{0177A3EC-3368-459D-AC9D-EB9863C8E641}" dt="2023-06-19T15:48:36.972" v="271" actId="478"/>
+          <ac:spMkLst>
+            <pc:docMk/>
+            <pc:sldMk cId="3365621960" sldId="304"/>
+            <ac:spMk id="4" creationId="{0D3EDFD7-6DCB-9A0D-BABA-1923C431EC17}"/>
+          </ac:spMkLst>
+        </pc:spChg>
+        <pc:spChg chg="add del mod">
+          <ac:chgData name="Apple Chen" userId="72ed978047974c08" providerId="LiveId" clId="{0177A3EC-3368-459D-AC9D-EB9863C8E641}" dt="2023-06-19T15:48:36.304" v="269"/>
+          <ac:spMkLst>
+            <pc:docMk/>
+            <pc:sldMk cId="3365621960" sldId="304"/>
+            <ac:spMk id="5" creationId="{40587465-510E-4B64-B6C8-47B81C6BB453}"/>
+          </ac:spMkLst>
+        </pc:spChg>
+        <pc:spChg chg="add del mod">
+          <ac:chgData name="Apple Chen" userId="72ed978047974c08" providerId="LiveId" clId="{0177A3EC-3368-459D-AC9D-EB9863C8E641}" dt="2023-06-19T15:48:51.348" v="276" actId="478"/>
+          <ac:spMkLst>
+            <pc:docMk/>
+            <pc:sldMk cId="3365621960" sldId="304"/>
+            <ac:spMk id="6" creationId="{73266C2B-D1E7-B03B-C0EB-AC7ECE0DCC6B}"/>
+          </ac:spMkLst>
+        </pc:spChg>
+        <pc:spChg chg="add del mod">
+          <ac:chgData name="Apple Chen" userId="72ed978047974c08" providerId="LiveId" clId="{0177A3EC-3368-459D-AC9D-EB9863C8E641}" dt="2023-06-19T15:48:46.255" v="275" actId="1076"/>
+          <ac:spMkLst>
+            <pc:docMk/>
+            <pc:sldMk cId="3365621960" sldId="304"/>
+            <ac:spMk id="171" creationId="{00000000-0000-0000-0000-000000000000}"/>
+          </ac:spMkLst>
+        </pc:spChg>
+        <pc:spChg chg="add del">
+          <ac:chgData name="Apple Chen" userId="72ed978047974c08" providerId="LiveId" clId="{0177A3EC-3368-459D-AC9D-EB9863C8E641}" dt="2023-06-19T15:48:39.298" v="273" actId="478"/>
+          <ac:spMkLst>
+            <pc:docMk/>
+            <pc:sldMk cId="3365621960" sldId="304"/>
+            <ac:spMk id="172" creationId="{00000000-0000-0000-0000-000000000000}"/>
+          </ac:spMkLst>
+        </pc:spChg>
+        <pc:picChg chg="mod">
+          <ac:chgData name="Apple Chen" userId="72ed978047974c08" providerId="LiveId" clId="{0177A3EC-3368-459D-AC9D-EB9863C8E641}" dt="2023-06-19T15:49:02.353" v="294" actId="1076"/>
+          <ac:picMkLst>
+            <pc:docMk/>
+            <pc:sldMk cId="3365621960" sldId="304"/>
+            <ac:picMk id="2" creationId="{BD3B6A07-1CDF-B9DA-3422-95E82A949DD1}"/>
+          </ac:picMkLst>
+        </pc:picChg>
+      </pc:sldChg>
+      <pc:sldChg chg="addSp delSp modSp mod">
+        <pc:chgData name="Apple Chen" userId="72ed978047974c08" providerId="LiveId" clId="{0177A3EC-3368-459D-AC9D-EB9863C8E641}" dt="2023-06-19T15:47:23.750" v="256" actId="1076"/>
+        <pc:sldMkLst>
+          <pc:docMk/>
+          <pc:sldMk cId="2892529474" sldId="305"/>
+        </pc:sldMkLst>
+        <pc:spChg chg="add del mod">
+          <ac:chgData name="Apple Chen" userId="72ed978047974c08" providerId="LiveId" clId="{0177A3EC-3368-459D-AC9D-EB9863C8E641}" dt="2023-06-19T15:47:08.673" v="254" actId="478"/>
+          <ac:spMkLst>
+            <pc:docMk/>
+            <pc:sldMk cId="2892529474" sldId="305"/>
+            <ac:spMk id="2" creationId="{091683CE-847C-021D-57CB-6FF21529AA49}"/>
+          </ac:spMkLst>
+        </pc:spChg>
+        <pc:spChg chg="mod">
+          <ac:chgData name="Apple Chen" userId="72ed978047974c08" providerId="LiveId" clId="{0177A3EC-3368-459D-AC9D-EB9863C8E641}" dt="2023-06-19T15:47:05.837" v="253" actId="1076"/>
+          <ac:spMkLst>
+            <pc:docMk/>
+            <pc:sldMk cId="2892529474" sldId="305"/>
+            <ac:spMk id="171" creationId="{00000000-0000-0000-0000-000000000000}"/>
+          </ac:spMkLst>
+        </pc:spChg>
+        <pc:spChg chg="mod">
+          <ac:chgData name="Apple Chen" userId="72ed978047974c08" providerId="LiveId" clId="{0177A3EC-3368-459D-AC9D-EB9863C8E641}" dt="2023-06-19T15:47:23.750" v="256" actId="1076"/>
+          <ac:spMkLst>
+            <pc:docMk/>
+            <pc:sldMk cId="2892529474" sldId="305"/>
+            <ac:spMk id="172" creationId="{00000000-0000-0000-0000-000000000000}"/>
+          </ac:spMkLst>
+        </pc:spChg>
+      </pc:sldChg>
+      <pc:sldChg chg="addSp delSp modSp mod">
+        <pc:chgData name="Apple Chen" userId="72ed978047974c08" providerId="LiveId" clId="{0177A3EC-3368-459D-AC9D-EB9863C8E641}" dt="2023-06-19T15:47:45.943" v="262" actId="1076"/>
+        <pc:sldMkLst>
+          <pc:docMk/>
+          <pc:sldMk cId="1733442641" sldId="306"/>
+        </pc:sldMkLst>
+        <pc:spChg chg="add del mod">
+          <ac:chgData name="Apple Chen" userId="72ed978047974c08" providerId="LiveId" clId="{0177A3EC-3368-459D-AC9D-EB9863C8E641}" dt="2023-06-19T15:47:37.942" v="260" actId="478"/>
+          <ac:spMkLst>
+            <pc:docMk/>
+            <pc:sldMk cId="1733442641" sldId="306"/>
+            <ac:spMk id="3" creationId="{B4E9B98D-5B35-AA53-AEB9-A50FAD7B05CD}"/>
+          </ac:spMkLst>
+        </pc:spChg>
+        <pc:spChg chg="add mod">
+          <ac:chgData name="Apple Chen" userId="72ed978047974c08" providerId="LiveId" clId="{0177A3EC-3368-459D-AC9D-EB9863C8E641}" dt="2023-06-19T15:47:35.882" v="258"/>
+          <ac:spMkLst>
+            <pc:docMk/>
+            <pc:sldMk cId="1733442641" sldId="306"/>
+            <ac:spMk id="4" creationId="{071B403A-004B-8D9E-170C-E9E1BC8BB7C6}"/>
+          </ac:spMkLst>
+        </pc:spChg>
+        <pc:spChg chg="del mod">
+          <ac:chgData name="Apple Chen" userId="72ed978047974c08" providerId="LiveId" clId="{0177A3EC-3368-459D-AC9D-EB9863C8E641}" dt="2023-06-19T15:47:35.598" v="257" actId="478"/>
+          <ac:spMkLst>
+            <pc:docMk/>
+            <pc:sldMk cId="1733442641" sldId="306"/>
+            <ac:spMk id="171" creationId="{00000000-0000-0000-0000-000000000000}"/>
+          </ac:spMkLst>
+        </pc:spChg>
+        <pc:spChg chg="mod">
+          <ac:chgData name="Apple Chen" userId="72ed978047974c08" providerId="LiveId" clId="{0177A3EC-3368-459D-AC9D-EB9863C8E641}" dt="2023-06-19T15:47:45.943" v="262" actId="1076"/>
+          <ac:spMkLst>
+            <pc:docMk/>
+            <pc:sldMk cId="1733442641" sldId="306"/>
+            <ac:spMk id="172" creationId="{00000000-0000-0000-0000-000000000000}"/>
+          </ac:spMkLst>
+        </pc:spChg>
+      </pc:sldChg>
+      <pc:sldChg chg="addSp delSp modSp mod">
+        <pc:chgData name="Apple Chen" userId="72ed978047974c08" providerId="LiveId" clId="{0177A3EC-3368-459D-AC9D-EB9863C8E641}" dt="2023-06-19T15:46:43.573" v="251" actId="1076"/>
+        <pc:sldMkLst>
+          <pc:docMk/>
+          <pc:sldMk cId="396830843" sldId="307"/>
+        </pc:sldMkLst>
+        <pc:spChg chg="add del mod">
+          <ac:chgData name="Apple Chen" userId="72ed978047974c08" providerId="LiveId" clId="{0177A3EC-3368-459D-AC9D-EB9863C8E641}" dt="2023-06-19T15:46:32.907" v="249" actId="478"/>
+          <ac:spMkLst>
+            <pc:docMk/>
+            <pc:sldMk cId="396830843" sldId="307"/>
+            <ac:spMk id="6" creationId="{7768C880-1F8B-308B-8D18-1777D1C9D80F}"/>
+          </ac:spMkLst>
+        </pc:spChg>
+        <pc:spChg chg="mod">
+          <ac:chgData name="Apple Chen" userId="72ed978047974c08" providerId="LiveId" clId="{0177A3EC-3368-459D-AC9D-EB9863C8E641}" dt="2023-06-19T15:46:29.729" v="248" actId="1076"/>
+          <ac:spMkLst>
+            <pc:docMk/>
+            <pc:sldMk cId="396830843" sldId="307"/>
+            <ac:spMk id="171" creationId="{00000000-0000-0000-0000-000000000000}"/>
+          </ac:spMkLst>
+        </pc:spChg>
+        <pc:spChg chg="del">
+          <ac:chgData name="Apple Chen" userId="72ed978047974c08" providerId="LiveId" clId="{0177A3EC-3368-459D-AC9D-EB9863C8E641}" dt="2023-06-19T15:45:52.901" v="240" actId="478"/>
+          <ac:spMkLst>
+            <pc:docMk/>
+            <pc:sldMk cId="396830843" sldId="307"/>
+            <ac:spMk id="172" creationId="{00000000-0000-0000-0000-000000000000}"/>
+          </ac:spMkLst>
+        </pc:spChg>
+        <pc:picChg chg="del">
+          <ac:chgData name="Apple Chen" userId="72ed978047974c08" providerId="LiveId" clId="{0177A3EC-3368-459D-AC9D-EB9863C8E641}" dt="2023-06-19T15:45:54.487" v="241" actId="478"/>
+          <ac:picMkLst>
+            <pc:docMk/>
+            <pc:sldMk cId="396830843" sldId="307"/>
+            <ac:picMk id="2" creationId="{2390BF51-3172-1FF8-8592-7DEAB0D6AD44}"/>
+          </ac:picMkLst>
+        </pc:picChg>
+        <pc:picChg chg="add del">
+          <ac:chgData name="Apple Chen" userId="72ed978047974c08" providerId="LiveId" clId="{0177A3EC-3368-459D-AC9D-EB9863C8E641}" dt="2023-06-19T15:45:59.571" v="243" actId="478"/>
+          <ac:picMkLst>
+            <pc:docMk/>
+            <pc:sldMk cId="396830843" sldId="307"/>
+            <ac:picMk id="4" creationId="{71F3B60E-C317-B411-624C-558434CD59FD}"/>
+          </ac:picMkLst>
+        </pc:picChg>
+        <pc:picChg chg="add mod">
+          <ac:chgData name="Apple Chen" userId="72ed978047974c08" providerId="LiveId" clId="{0177A3EC-3368-459D-AC9D-EB9863C8E641}" dt="2023-06-19T15:46:43.573" v="251" actId="1076"/>
+          <ac:picMkLst>
+            <pc:docMk/>
+            <pc:sldMk cId="396830843" sldId="307"/>
+            <ac:picMk id="5" creationId="{092A6099-7965-86E4-62E4-D26C462DC412}"/>
+          </ac:picMkLst>
+        </pc:picChg>
+      </pc:sldChg>
+      <pc:sldChg chg="delSp modSp mod">
+        <pc:chgData name="Apple Chen" userId="72ed978047974c08" providerId="LiveId" clId="{0177A3EC-3368-459D-AC9D-EB9863C8E641}" dt="2023-06-19T15:32:26.265" v="46" actId="14100"/>
+        <pc:sldMkLst>
+          <pc:docMk/>
+          <pc:sldMk cId="2264934969" sldId="308"/>
+        </pc:sldMkLst>
+        <pc:spChg chg="mod">
+          <ac:chgData name="Apple Chen" userId="72ed978047974c08" providerId="LiveId" clId="{0177A3EC-3368-459D-AC9D-EB9863C8E641}" dt="2023-06-19T15:32:22.049" v="45" actId="1036"/>
+          <ac:spMkLst>
+            <pc:docMk/>
+            <pc:sldMk cId="2264934969" sldId="308"/>
+            <ac:spMk id="171" creationId="{00000000-0000-0000-0000-000000000000}"/>
+          </ac:spMkLst>
+        </pc:spChg>
+        <pc:spChg chg="del">
+          <ac:chgData name="Apple Chen" userId="72ed978047974c08" providerId="LiveId" clId="{0177A3EC-3368-459D-AC9D-EB9863C8E641}" dt="2023-06-19T15:32:12.927" v="0" actId="478"/>
+          <ac:spMkLst>
+            <pc:docMk/>
+            <pc:sldMk cId="2264934969" sldId="308"/>
+            <ac:spMk id="172" creationId="{00000000-0000-0000-0000-000000000000}"/>
+          </ac:spMkLst>
+        </pc:spChg>
+        <pc:picChg chg="mod">
+          <ac:chgData name="Apple Chen" userId="72ed978047974c08" providerId="LiveId" clId="{0177A3EC-3368-459D-AC9D-EB9863C8E641}" dt="2023-06-19T15:32:26.265" v="46" actId="14100"/>
+          <ac:picMkLst>
+            <pc:docMk/>
+            <pc:sldMk cId="2264934969" sldId="308"/>
+            <ac:picMk id="2" creationId="{D9B92FEC-54D1-C588-B33A-27794297C9DC}"/>
+          </ac:picMkLst>
+        </pc:picChg>
+      </pc:sldChg>
+    </pc:docChg>
+  </pc:docChgLst>
   <pc:docChgLst>
     <pc:chgData name="廷翔 蘇" userId="4ebd8d084c910e77" providerId="LiveId" clId="{2F865303-F46C-4A33-A6D4-F7CF1048AC12}"/>
     <pc:docChg chg="custSel addSld delSld modSld sldOrd delMainMaster">
@@ -1261,484 +1740,6 @@
       </pc:sldMasterChg>
     </pc:docChg>
   </pc:docChgLst>
-  <pc:docChgLst>
-    <pc:chgData name="Apple Chen" userId="72ed978047974c08" providerId="LiveId" clId="{0177A3EC-3368-459D-AC9D-EB9863C8E641}"/>
-    <pc:docChg chg="undo redo custSel modSld">
-      <pc:chgData name="Apple Chen" userId="72ed978047974c08" providerId="LiveId" clId="{0177A3EC-3368-459D-AC9D-EB9863C8E641}" dt="2023-06-19T15:51:29.046" v="323" actId="1036"/>
-      <pc:docMkLst>
-        <pc:docMk/>
-      </pc:docMkLst>
-      <pc:sldChg chg="modSp mod">
-        <pc:chgData name="Apple Chen" userId="72ed978047974c08" providerId="LiveId" clId="{0177A3EC-3368-459D-AC9D-EB9863C8E641}" dt="2023-06-19T15:49:53.813" v="309" actId="404"/>
-        <pc:sldMkLst>
-          <pc:docMk/>
-          <pc:sldMk cId="0" sldId="256"/>
-        </pc:sldMkLst>
-        <pc:spChg chg="mod">
-          <ac:chgData name="Apple Chen" userId="72ed978047974c08" providerId="LiveId" clId="{0177A3EC-3368-459D-AC9D-EB9863C8E641}" dt="2023-06-19T15:40:23.964" v="216" actId="113"/>
-          <ac:spMkLst>
-            <pc:docMk/>
-            <pc:sldMk cId="0" sldId="256"/>
-            <ac:spMk id="164" creationId="{00000000-0000-0000-0000-000000000000}"/>
-          </ac:spMkLst>
-        </pc:spChg>
-        <pc:spChg chg="mod">
-          <ac:chgData name="Apple Chen" userId="72ed978047974c08" providerId="LiveId" clId="{0177A3EC-3368-459D-AC9D-EB9863C8E641}" dt="2023-06-19T15:49:53.813" v="309" actId="404"/>
-          <ac:spMkLst>
-            <pc:docMk/>
-            <pc:sldMk cId="0" sldId="256"/>
-            <ac:spMk id="165" creationId="{00000000-0000-0000-0000-000000000000}"/>
-          </ac:spMkLst>
-        </pc:spChg>
-      </pc:sldChg>
-      <pc:sldChg chg="addSp delSp modSp mod">
-        <pc:chgData name="Apple Chen" userId="72ed978047974c08" providerId="LiveId" clId="{0177A3EC-3368-459D-AC9D-EB9863C8E641}" dt="2023-06-19T15:43:29.635" v="234" actId="108"/>
-        <pc:sldMkLst>
-          <pc:docMk/>
-          <pc:sldMk cId="0" sldId="257"/>
-        </pc:sldMkLst>
-        <pc:spChg chg="add del mod">
-          <ac:chgData name="Apple Chen" userId="72ed978047974c08" providerId="LiveId" clId="{0177A3EC-3368-459D-AC9D-EB9863C8E641}" dt="2023-06-19T15:35:20.523" v="134" actId="478"/>
-          <ac:spMkLst>
-            <pc:docMk/>
-            <pc:sldMk cId="0" sldId="257"/>
-            <ac:spMk id="3" creationId="{02D8BF96-D225-871F-274C-CC0351B4A658}"/>
-          </ac:spMkLst>
-        </pc:spChg>
-        <pc:spChg chg="add mod">
-          <ac:chgData name="Apple Chen" userId="72ed978047974c08" providerId="LiveId" clId="{0177A3EC-3368-459D-AC9D-EB9863C8E641}" dt="2023-06-19T15:43:29.635" v="234" actId="108"/>
-          <ac:spMkLst>
-            <pc:docMk/>
-            <pc:sldMk cId="0" sldId="257"/>
-            <ac:spMk id="4" creationId="{834D2354-D63F-B4A3-E732-3D7DD8BC5D26}"/>
-          </ac:spMkLst>
-        </pc:spChg>
-        <pc:spChg chg="del">
-          <ac:chgData name="Apple Chen" userId="72ed978047974c08" providerId="LiveId" clId="{0177A3EC-3368-459D-AC9D-EB9863C8E641}" dt="2023-06-19T15:35:18.063" v="133" actId="478"/>
-          <ac:spMkLst>
-            <pc:docMk/>
-            <pc:sldMk cId="0" sldId="257"/>
-            <ac:spMk id="171" creationId="{00000000-0000-0000-0000-000000000000}"/>
-          </ac:spMkLst>
-        </pc:spChg>
-        <pc:spChg chg="mod">
-          <ac:chgData name="Apple Chen" userId="72ed978047974c08" providerId="LiveId" clId="{0177A3EC-3368-459D-AC9D-EB9863C8E641}" dt="2023-06-19T15:36:54.703" v="165" actId="1035"/>
-          <ac:spMkLst>
-            <pc:docMk/>
-            <pc:sldMk cId="0" sldId="257"/>
-            <ac:spMk id="172" creationId="{00000000-0000-0000-0000-000000000000}"/>
-          </ac:spMkLst>
-        </pc:spChg>
-      </pc:sldChg>
-      <pc:sldChg chg="modSp mod">
-        <pc:chgData name="Apple Chen" userId="72ed978047974c08" providerId="LiveId" clId="{0177A3EC-3368-459D-AC9D-EB9863C8E641}" dt="2023-06-19T15:42:49.475" v="231" actId="113"/>
-        <pc:sldMkLst>
-          <pc:docMk/>
-          <pc:sldMk cId="0" sldId="259"/>
-        </pc:sldMkLst>
-        <pc:spChg chg="mod">
-          <ac:chgData name="Apple Chen" userId="72ed978047974c08" providerId="LiveId" clId="{0177A3EC-3368-459D-AC9D-EB9863C8E641}" dt="2023-06-19T15:34:15.597" v="121" actId="1036"/>
-          <ac:spMkLst>
-            <pc:docMk/>
-            <pc:sldMk cId="0" sldId="259"/>
-            <ac:spMk id="2" creationId="{9C8E629A-0C1F-1A06-8302-FD57DE822038}"/>
-          </ac:spMkLst>
-        </pc:spChg>
-        <pc:spChg chg="mod">
-          <ac:chgData name="Apple Chen" userId="72ed978047974c08" providerId="LiveId" clId="{0177A3EC-3368-459D-AC9D-EB9863C8E641}" dt="2023-06-19T15:42:49.475" v="231" actId="113"/>
-          <ac:spMkLst>
-            <pc:docMk/>
-            <pc:sldMk cId="0" sldId="259"/>
-            <ac:spMk id="5" creationId="{06A901CC-711E-8B76-5959-918906571FC7}"/>
-          </ac:spMkLst>
-        </pc:spChg>
-        <pc:spChg chg="mod">
-          <ac:chgData name="Apple Chen" userId="72ed978047974c08" providerId="LiveId" clId="{0177A3EC-3368-459D-AC9D-EB9863C8E641}" dt="2023-06-19T15:42:49.475" v="231" actId="113"/>
-          <ac:spMkLst>
-            <pc:docMk/>
-            <pc:sldMk cId="0" sldId="259"/>
-            <ac:spMk id="185" creationId="{00000000-0000-0000-0000-000000000000}"/>
-          </ac:spMkLst>
-        </pc:spChg>
-        <pc:spChg chg="mod">
-          <ac:chgData name="Apple Chen" userId="72ed978047974c08" providerId="LiveId" clId="{0177A3EC-3368-459D-AC9D-EB9863C8E641}" dt="2023-06-19T15:42:49.475" v="231" actId="113"/>
-          <ac:spMkLst>
-            <pc:docMk/>
-            <pc:sldMk cId="0" sldId="259"/>
-            <ac:spMk id="187" creationId="{00000000-0000-0000-0000-000000000000}"/>
-          </ac:spMkLst>
-        </pc:spChg>
-        <pc:spChg chg="mod">
-          <ac:chgData name="Apple Chen" userId="72ed978047974c08" providerId="LiveId" clId="{0177A3EC-3368-459D-AC9D-EB9863C8E641}" dt="2023-06-19T15:42:29.513" v="230" actId="113"/>
-          <ac:spMkLst>
-            <pc:docMk/>
-            <pc:sldMk cId="0" sldId="259"/>
-            <ac:spMk id="188" creationId="{00000000-0000-0000-0000-000000000000}"/>
-          </ac:spMkLst>
-        </pc:spChg>
-        <pc:spChg chg="mod">
-          <ac:chgData name="Apple Chen" userId="72ed978047974c08" providerId="LiveId" clId="{0177A3EC-3368-459D-AC9D-EB9863C8E641}" dt="2023-06-19T15:42:49.475" v="231" actId="113"/>
-          <ac:spMkLst>
-            <pc:docMk/>
-            <pc:sldMk cId="0" sldId="259"/>
-            <ac:spMk id="190" creationId="{00000000-0000-0000-0000-000000000000}"/>
-          </ac:spMkLst>
-        </pc:spChg>
-        <pc:spChg chg="mod">
-          <ac:chgData name="Apple Chen" userId="72ed978047974c08" providerId="LiveId" clId="{0177A3EC-3368-459D-AC9D-EB9863C8E641}" dt="2023-06-19T15:34:15.597" v="121" actId="1036"/>
-          <ac:spMkLst>
-            <pc:docMk/>
-            <pc:sldMk cId="0" sldId="259"/>
-            <ac:spMk id="191" creationId="{00000000-0000-0000-0000-000000000000}"/>
-          </ac:spMkLst>
-        </pc:spChg>
-        <pc:spChg chg="mod">
-          <ac:chgData name="Apple Chen" userId="72ed978047974c08" providerId="LiveId" clId="{0177A3EC-3368-459D-AC9D-EB9863C8E641}" dt="2023-06-19T15:34:15.597" v="121" actId="1036"/>
-          <ac:spMkLst>
-            <pc:docMk/>
-            <pc:sldMk cId="0" sldId="259"/>
-            <ac:spMk id="192" creationId="{00000000-0000-0000-0000-000000000000}"/>
-          </ac:spMkLst>
-        </pc:spChg>
-        <pc:spChg chg="mod">
-          <ac:chgData name="Apple Chen" userId="72ed978047974c08" providerId="LiveId" clId="{0177A3EC-3368-459D-AC9D-EB9863C8E641}" dt="2023-06-19T15:34:15.597" v="121" actId="1036"/>
-          <ac:spMkLst>
-            <pc:docMk/>
-            <pc:sldMk cId="0" sldId="259"/>
-            <ac:spMk id="194" creationId="{00000000-0000-0000-0000-000000000000}"/>
-          </ac:spMkLst>
-        </pc:spChg>
-        <pc:spChg chg="mod">
-          <ac:chgData name="Apple Chen" userId="72ed978047974c08" providerId="LiveId" clId="{0177A3EC-3368-459D-AC9D-EB9863C8E641}" dt="2023-06-19T15:42:49.475" v="231" actId="113"/>
-          <ac:spMkLst>
-            <pc:docMk/>
-            <pc:sldMk cId="0" sldId="259"/>
-            <ac:spMk id="195" creationId="{00000000-0000-0000-0000-000000000000}"/>
-          </ac:spMkLst>
-        </pc:spChg>
-        <pc:spChg chg="mod">
-          <ac:chgData name="Apple Chen" userId="72ed978047974c08" providerId="LiveId" clId="{0177A3EC-3368-459D-AC9D-EB9863C8E641}" dt="2023-06-19T15:34:15.597" v="121" actId="1036"/>
-          <ac:spMkLst>
-            <pc:docMk/>
-            <pc:sldMk cId="0" sldId="259"/>
-            <ac:spMk id="196" creationId="{00000000-0000-0000-0000-000000000000}"/>
-          </ac:spMkLst>
-        </pc:spChg>
-        <pc:cxnChg chg="mod">
-          <ac:chgData name="Apple Chen" userId="72ed978047974c08" providerId="LiveId" clId="{0177A3EC-3368-459D-AC9D-EB9863C8E641}" dt="2023-06-19T15:34:15.597" v="121" actId="1036"/>
-          <ac:cxnSpMkLst>
-            <pc:docMk/>
-            <pc:sldMk cId="0" sldId="259"/>
-            <ac:cxnSpMk id="3" creationId="{C651FBC4-6C29-A3A1-2DAC-21CBDA613252}"/>
-          </ac:cxnSpMkLst>
-        </pc:cxnChg>
-        <pc:cxnChg chg="mod">
-          <ac:chgData name="Apple Chen" userId="72ed978047974c08" providerId="LiveId" clId="{0177A3EC-3368-459D-AC9D-EB9863C8E641}" dt="2023-06-19T15:34:15.597" v="121" actId="1036"/>
-          <ac:cxnSpMkLst>
-            <pc:docMk/>
-            <pc:sldMk cId="0" sldId="259"/>
-            <ac:cxnSpMk id="199" creationId="{00000000-0000-0000-0000-000000000000}"/>
-          </ac:cxnSpMkLst>
-        </pc:cxnChg>
-        <pc:cxnChg chg="mod">
-          <ac:chgData name="Apple Chen" userId="72ed978047974c08" providerId="LiveId" clId="{0177A3EC-3368-459D-AC9D-EB9863C8E641}" dt="2023-06-19T15:34:15.597" v="121" actId="1036"/>
-          <ac:cxnSpMkLst>
-            <pc:docMk/>
-            <pc:sldMk cId="0" sldId="259"/>
-            <ac:cxnSpMk id="200" creationId="{00000000-0000-0000-0000-000000000000}"/>
-          </ac:cxnSpMkLst>
-        </pc:cxnChg>
-        <pc:cxnChg chg="mod">
-          <ac:chgData name="Apple Chen" userId="72ed978047974c08" providerId="LiveId" clId="{0177A3EC-3368-459D-AC9D-EB9863C8E641}" dt="2023-06-19T15:34:15.597" v="121" actId="1036"/>
-          <ac:cxnSpMkLst>
-            <pc:docMk/>
-            <pc:sldMk cId="0" sldId="259"/>
-            <ac:cxnSpMk id="201" creationId="{00000000-0000-0000-0000-000000000000}"/>
-          </ac:cxnSpMkLst>
-        </pc:cxnChg>
-        <pc:cxnChg chg="mod">
-          <ac:chgData name="Apple Chen" userId="72ed978047974c08" providerId="LiveId" clId="{0177A3EC-3368-459D-AC9D-EB9863C8E641}" dt="2023-06-19T15:34:15.597" v="121" actId="1036"/>
-          <ac:cxnSpMkLst>
-            <pc:docMk/>
-            <pc:sldMk cId="0" sldId="259"/>
-            <ac:cxnSpMk id="202" creationId="{00000000-0000-0000-0000-000000000000}"/>
-          </ac:cxnSpMkLst>
-        </pc:cxnChg>
-      </pc:sldChg>
-      <pc:sldChg chg="modSp mod">
-        <pc:chgData name="Apple Chen" userId="72ed978047974c08" providerId="LiveId" clId="{0177A3EC-3368-459D-AC9D-EB9863C8E641}" dt="2023-06-19T15:42:23.690" v="229" actId="113"/>
-        <pc:sldMkLst>
-          <pc:docMk/>
-          <pc:sldMk cId="0" sldId="266"/>
-        </pc:sldMkLst>
-        <pc:spChg chg="mod">
-          <ac:chgData name="Apple Chen" userId="72ed978047974c08" providerId="LiveId" clId="{0177A3EC-3368-459D-AC9D-EB9863C8E641}" dt="2023-06-19T15:42:23.690" v="229" actId="113"/>
-          <ac:spMkLst>
-            <pc:docMk/>
-            <pc:sldMk cId="0" sldId="266"/>
-            <ac:spMk id="264" creationId="{00000000-0000-0000-0000-000000000000}"/>
-          </ac:spMkLst>
-        </pc:spChg>
-      </pc:sldChg>
-      <pc:sldChg chg="addSp modSp mod">
-        <pc:chgData name="Apple Chen" userId="72ed978047974c08" providerId="LiveId" clId="{0177A3EC-3368-459D-AC9D-EB9863C8E641}" dt="2023-06-19T15:51:29.046" v="323" actId="1036"/>
-        <pc:sldMkLst>
-          <pc:docMk/>
-          <pc:sldMk cId="0" sldId="280"/>
-        </pc:sldMkLst>
-        <pc:spChg chg="mod">
-          <ac:chgData name="Apple Chen" userId="72ed978047974c08" providerId="LiveId" clId="{0177A3EC-3368-459D-AC9D-EB9863C8E641}" dt="2023-06-19T15:51:29.046" v="323" actId="1036"/>
-          <ac:spMkLst>
-            <pc:docMk/>
-            <pc:sldMk cId="0" sldId="280"/>
-            <ac:spMk id="509" creationId="{00000000-0000-0000-0000-000000000000}"/>
-          </ac:spMkLst>
-        </pc:spChg>
-        <pc:picChg chg="add mod">
-          <ac:chgData name="Apple Chen" userId="72ed978047974c08" providerId="LiveId" clId="{0177A3EC-3368-459D-AC9D-EB9863C8E641}" dt="2023-06-19T15:37:23.272" v="168" actId="14100"/>
-          <ac:picMkLst>
-            <pc:docMk/>
-            <pc:sldMk cId="0" sldId="280"/>
-            <ac:picMk id="3" creationId="{02A5FE0B-0AFC-5D9A-AF82-7150F56306ED}"/>
-          </ac:picMkLst>
-        </pc:picChg>
-      </pc:sldChg>
-      <pc:sldChg chg="modSp mod">
-        <pc:chgData name="Apple Chen" userId="72ed978047974c08" providerId="LiveId" clId="{0177A3EC-3368-459D-AC9D-EB9863C8E641}" dt="2023-06-19T15:43:14.345" v="233" actId="113"/>
-        <pc:sldMkLst>
-          <pc:docMk/>
-          <pc:sldMk cId="2988326448" sldId="303"/>
-        </pc:sldMkLst>
-        <pc:spChg chg="mod">
-          <ac:chgData name="Apple Chen" userId="72ed978047974c08" providerId="LiveId" clId="{0177A3EC-3368-459D-AC9D-EB9863C8E641}" dt="2023-06-19T15:43:14.345" v="233" actId="113"/>
-          <ac:spMkLst>
-            <pc:docMk/>
-            <pc:sldMk cId="2988326448" sldId="303"/>
-            <ac:spMk id="171" creationId="{00000000-0000-0000-0000-000000000000}"/>
-          </ac:spMkLst>
-        </pc:spChg>
-        <pc:spChg chg="mod">
-          <ac:chgData name="Apple Chen" userId="72ed978047974c08" providerId="LiveId" clId="{0177A3EC-3368-459D-AC9D-EB9863C8E641}" dt="2023-06-19T15:35:04.999" v="131" actId="1076"/>
-          <ac:spMkLst>
-            <pc:docMk/>
-            <pc:sldMk cId="2988326448" sldId="303"/>
-            <ac:spMk id="172" creationId="{00000000-0000-0000-0000-000000000000}"/>
-          </ac:spMkLst>
-        </pc:spChg>
-      </pc:sldChg>
-      <pc:sldChg chg="addSp delSp modSp mod">
-        <pc:chgData name="Apple Chen" userId="72ed978047974c08" providerId="LiveId" clId="{0177A3EC-3368-459D-AC9D-EB9863C8E641}" dt="2023-06-19T15:49:02.353" v="294" actId="1076"/>
-        <pc:sldMkLst>
-          <pc:docMk/>
-          <pc:sldMk cId="3365621960" sldId="304"/>
-        </pc:sldMkLst>
-        <pc:spChg chg="add del mod">
-          <ac:chgData name="Apple Chen" userId="72ed978047974c08" providerId="LiveId" clId="{0177A3EC-3368-459D-AC9D-EB9863C8E641}" dt="2023-06-19T15:48:36.972" v="271" actId="478"/>
-          <ac:spMkLst>
-            <pc:docMk/>
-            <pc:sldMk cId="3365621960" sldId="304"/>
-            <ac:spMk id="4" creationId="{0D3EDFD7-6DCB-9A0D-BABA-1923C431EC17}"/>
-          </ac:spMkLst>
-        </pc:spChg>
-        <pc:spChg chg="add del mod">
-          <ac:chgData name="Apple Chen" userId="72ed978047974c08" providerId="LiveId" clId="{0177A3EC-3368-459D-AC9D-EB9863C8E641}" dt="2023-06-19T15:48:36.304" v="269"/>
-          <ac:spMkLst>
-            <pc:docMk/>
-            <pc:sldMk cId="3365621960" sldId="304"/>
-            <ac:spMk id="5" creationId="{40587465-510E-4B64-B6C8-47B81C6BB453}"/>
-          </ac:spMkLst>
-        </pc:spChg>
-        <pc:spChg chg="add del mod">
-          <ac:chgData name="Apple Chen" userId="72ed978047974c08" providerId="LiveId" clId="{0177A3EC-3368-459D-AC9D-EB9863C8E641}" dt="2023-06-19T15:48:51.348" v="276" actId="478"/>
-          <ac:spMkLst>
-            <pc:docMk/>
-            <pc:sldMk cId="3365621960" sldId="304"/>
-            <ac:spMk id="6" creationId="{73266C2B-D1E7-B03B-C0EB-AC7ECE0DCC6B}"/>
-          </ac:spMkLst>
-        </pc:spChg>
-        <pc:spChg chg="add del mod">
-          <ac:chgData name="Apple Chen" userId="72ed978047974c08" providerId="LiveId" clId="{0177A3EC-3368-459D-AC9D-EB9863C8E641}" dt="2023-06-19T15:48:46.255" v="275" actId="1076"/>
-          <ac:spMkLst>
-            <pc:docMk/>
-            <pc:sldMk cId="3365621960" sldId="304"/>
-            <ac:spMk id="171" creationId="{00000000-0000-0000-0000-000000000000}"/>
-          </ac:spMkLst>
-        </pc:spChg>
-        <pc:spChg chg="add del">
-          <ac:chgData name="Apple Chen" userId="72ed978047974c08" providerId="LiveId" clId="{0177A3EC-3368-459D-AC9D-EB9863C8E641}" dt="2023-06-19T15:48:39.298" v="273" actId="478"/>
-          <ac:spMkLst>
-            <pc:docMk/>
-            <pc:sldMk cId="3365621960" sldId="304"/>
-            <ac:spMk id="172" creationId="{00000000-0000-0000-0000-000000000000}"/>
-          </ac:spMkLst>
-        </pc:spChg>
-        <pc:picChg chg="mod">
-          <ac:chgData name="Apple Chen" userId="72ed978047974c08" providerId="LiveId" clId="{0177A3EC-3368-459D-AC9D-EB9863C8E641}" dt="2023-06-19T15:49:02.353" v="294" actId="1076"/>
-          <ac:picMkLst>
-            <pc:docMk/>
-            <pc:sldMk cId="3365621960" sldId="304"/>
-            <ac:picMk id="2" creationId="{BD3B6A07-1CDF-B9DA-3422-95E82A949DD1}"/>
-          </ac:picMkLst>
-        </pc:picChg>
-      </pc:sldChg>
-      <pc:sldChg chg="addSp delSp modSp mod">
-        <pc:chgData name="Apple Chen" userId="72ed978047974c08" providerId="LiveId" clId="{0177A3EC-3368-459D-AC9D-EB9863C8E641}" dt="2023-06-19T15:47:23.750" v="256" actId="1076"/>
-        <pc:sldMkLst>
-          <pc:docMk/>
-          <pc:sldMk cId="2892529474" sldId="305"/>
-        </pc:sldMkLst>
-        <pc:spChg chg="add del mod">
-          <ac:chgData name="Apple Chen" userId="72ed978047974c08" providerId="LiveId" clId="{0177A3EC-3368-459D-AC9D-EB9863C8E641}" dt="2023-06-19T15:47:08.673" v="254" actId="478"/>
-          <ac:spMkLst>
-            <pc:docMk/>
-            <pc:sldMk cId="2892529474" sldId="305"/>
-            <ac:spMk id="2" creationId="{091683CE-847C-021D-57CB-6FF21529AA49}"/>
-          </ac:spMkLst>
-        </pc:spChg>
-        <pc:spChg chg="mod">
-          <ac:chgData name="Apple Chen" userId="72ed978047974c08" providerId="LiveId" clId="{0177A3EC-3368-459D-AC9D-EB9863C8E641}" dt="2023-06-19T15:47:05.837" v="253" actId="1076"/>
-          <ac:spMkLst>
-            <pc:docMk/>
-            <pc:sldMk cId="2892529474" sldId="305"/>
-            <ac:spMk id="171" creationId="{00000000-0000-0000-0000-000000000000}"/>
-          </ac:spMkLst>
-        </pc:spChg>
-        <pc:spChg chg="mod">
-          <ac:chgData name="Apple Chen" userId="72ed978047974c08" providerId="LiveId" clId="{0177A3EC-3368-459D-AC9D-EB9863C8E641}" dt="2023-06-19T15:47:23.750" v="256" actId="1076"/>
-          <ac:spMkLst>
-            <pc:docMk/>
-            <pc:sldMk cId="2892529474" sldId="305"/>
-            <ac:spMk id="172" creationId="{00000000-0000-0000-0000-000000000000}"/>
-          </ac:spMkLst>
-        </pc:spChg>
-      </pc:sldChg>
-      <pc:sldChg chg="addSp delSp modSp mod">
-        <pc:chgData name="Apple Chen" userId="72ed978047974c08" providerId="LiveId" clId="{0177A3EC-3368-459D-AC9D-EB9863C8E641}" dt="2023-06-19T15:47:45.943" v="262" actId="1076"/>
-        <pc:sldMkLst>
-          <pc:docMk/>
-          <pc:sldMk cId="1733442641" sldId="306"/>
-        </pc:sldMkLst>
-        <pc:spChg chg="add del mod">
-          <ac:chgData name="Apple Chen" userId="72ed978047974c08" providerId="LiveId" clId="{0177A3EC-3368-459D-AC9D-EB9863C8E641}" dt="2023-06-19T15:47:37.942" v="260" actId="478"/>
-          <ac:spMkLst>
-            <pc:docMk/>
-            <pc:sldMk cId="1733442641" sldId="306"/>
-            <ac:spMk id="3" creationId="{B4E9B98D-5B35-AA53-AEB9-A50FAD7B05CD}"/>
-          </ac:spMkLst>
-        </pc:spChg>
-        <pc:spChg chg="add mod">
-          <ac:chgData name="Apple Chen" userId="72ed978047974c08" providerId="LiveId" clId="{0177A3EC-3368-459D-AC9D-EB9863C8E641}" dt="2023-06-19T15:47:35.882" v="258"/>
-          <ac:spMkLst>
-            <pc:docMk/>
-            <pc:sldMk cId="1733442641" sldId="306"/>
-            <ac:spMk id="4" creationId="{071B403A-004B-8D9E-170C-E9E1BC8BB7C6}"/>
-          </ac:spMkLst>
-        </pc:spChg>
-        <pc:spChg chg="del mod">
-          <ac:chgData name="Apple Chen" userId="72ed978047974c08" providerId="LiveId" clId="{0177A3EC-3368-459D-AC9D-EB9863C8E641}" dt="2023-06-19T15:47:35.598" v="257" actId="478"/>
-          <ac:spMkLst>
-            <pc:docMk/>
-            <pc:sldMk cId="1733442641" sldId="306"/>
-            <ac:spMk id="171" creationId="{00000000-0000-0000-0000-000000000000}"/>
-          </ac:spMkLst>
-        </pc:spChg>
-        <pc:spChg chg="mod">
-          <ac:chgData name="Apple Chen" userId="72ed978047974c08" providerId="LiveId" clId="{0177A3EC-3368-459D-AC9D-EB9863C8E641}" dt="2023-06-19T15:47:45.943" v="262" actId="1076"/>
-          <ac:spMkLst>
-            <pc:docMk/>
-            <pc:sldMk cId="1733442641" sldId="306"/>
-            <ac:spMk id="172" creationId="{00000000-0000-0000-0000-000000000000}"/>
-          </ac:spMkLst>
-        </pc:spChg>
-      </pc:sldChg>
-      <pc:sldChg chg="addSp delSp modSp mod">
-        <pc:chgData name="Apple Chen" userId="72ed978047974c08" providerId="LiveId" clId="{0177A3EC-3368-459D-AC9D-EB9863C8E641}" dt="2023-06-19T15:46:43.573" v="251" actId="1076"/>
-        <pc:sldMkLst>
-          <pc:docMk/>
-          <pc:sldMk cId="396830843" sldId="307"/>
-        </pc:sldMkLst>
-        <pc:spChg chg="add del mod">
-          <ac:chgData name="Apple Chen" userId="72ed978047974c08" providerId="LiveId" clId="{0177A3EC-3368-459D-AC9D-EB9863C8E641}" dt="2023-06-19T15:46:32.907" v="249" actId="478"/>
-          <ac:spMkLst>
-            <pc:docMk/>
-            <pc:sldMk cId="396830843" sldId="307"/>
-            <ac:spMk id="6" creationId="{7768C880-1F8B-308B-8D18-1777D1C9D80F}"/>
-          </ac:spMkLst>
-        </pc:spChg>
-        <pc:spChg chg="mod">
-          <ac:chgData name="Apple Chen" userId="72ed978047974c08" providerId="LiveId" clId="{0177A3EC-3368-459D-AC9D-EB9863C8E641}" dt="2023-06-19T15:46:29.729" v="248" actId="1076"/>
-          <ac:spMkLst>
-            <pc:docMk/>
-            <pc:sldMk cId="396830843" sldId="307"/>
-            <ac:spMk id="171" creationId="{00000000-0000-0000-0000-000000000000}"/>
-          </ac:spMkLst>
-        </pc:spChg>
-        <pc:spChg chg="del">
-          <ac:chgData name="Apple Chen" userId="72ed978047974c08" providerId="LiveId" clId="{0177A3EC-3368-459D-AC9D-EB9863C8E641}" dt="2023-06-19T15:45:52.901" v="240" actId="478"/>
-          <ac:spMkLst>
-            <pc:docMk/>
-            <pc:sldMk cId="396830843" sldId="307"/>
-            <ac:spMk id="172" creationId="{00000000-0000-0000-0000-000000000000}"/>
-          </ac:spMkLst>
-        </pc:spChg>
-        <pc:picChg chg="del">
-          <ac:chgData name="Apple Chen" userId="72ed978047974c08" providerId="LiveId" clId="{0177A3EC-3368-459D-AC9D-EB9863C8E641}" dt="2023-06-19T15:45:54.487" v="241" actId="478"/>
-          <ac:picMkLst>
-            <pc:docMk/>
-            <pc:sldMk cId="396830843" sldId="307"/>
-            <ac:picMk id="2" creationId="{2390BF51-3172-1FF8-8592-7DEAB0D6AD44}"/>
-          </ac:picMkLst>
-        </pc:picChg>
-        <pc:picChg chg="add del">
-          <ac:chgData name="Apple Chen" userId="72ed978047974c08" providerId="LiveId" clId="{0177A3EC-3368-459D-AC9D-EB9863C8E641}" dt="2023-06-19T15:45:59.571" v="243" actId="478"/>
-          <ac:picMkLst>
-            <pc:docMk/>
-            <pc:sldMk cId="396830843" sldId="307"/>
-            <ac:picMk id="4" creationId="{71F3B60E-C317-B411-624C-558434CD59FD}"/>
-          </ac:picMkLst>
-        </pc:picChg>
-        <pc:picChg chg="add mod">
-          <ac:chgData name="Apple Chen" userId="72ed978047974c08" providerId="LiveId" clId="{0177A3EC-3368-459D-AC9D-EB9863C8E641}" dt="2023-06-19T15:46:43.573" v="251" actId="1076"/>
-          <ac:picMkLst>
-            <pc:docMk/>
-            <pc:sldMk cId="396830843" sldId="307"/>
-            <ac:picMk id="5" creationId="{092A6099-7965-86E4-62E4-D26C462DC412}"/>
-          </ac:picMkLst>
-        </pc:picChg>
-      </pc:sldChg>
-      <pc:sldChg chg="delSp modSp mod">
-        <pc:chgData name="Apple Chen" userId="72ed978047974c08" providerId="LiveId" clId="{0177A3EC-3368-459D-AC9D-EB9863C8E641}" dt="2023-06-19T15:32:26.265" v="46" actId="14100"/>
-        <pc:sldMkLst>
-          <pc:docMk/>
-          <pc:sldMk cId="2264934969" sldId="308"/>
-        </pc:sldMkLst>
-        <pc:spChg chg="mod">
-          <ac:chgData name="Apple Chen" userId="72ed978047974c08" providerId="LiveId" clId="{0177A3EC-3368-459D-AC9D-EB9863C8E641}" dt="2023-06-19T15:32:22.049" v="45" actId="1036"/>
-          <ac:spMkLst>
-            <pc:docMk/>
-            <pc:sldMk cId="2264934969" sldId="308"/>
-            <ac:spMk id="171" creationId="{00000000-0000-0000-0000-000000000000}"/>
-          </ac:spMkLst>
-        </pc:spChg>
-        <pc:spChg chg="del">
-          <ac:chgData name="Apple Chen" userId="72ed978047974c08" providerId="LiveId" clId="{0177A3EC-3368-459D-AC9D-EB9863C8E641}" dt="2023-06-19T15:32:12.927" v="0" actId="478"/>
-          <ac:spMkLst>
-            <pc:docMk/>
-            <pc:sldMk cId="2264934969" sldId="308"/>
-            <ac:spMk id="172" creationId="{00000000-0000-0000-0000-000000000000}"/>
-          </ac:spMkLst>
-        </pc:spChg>
-        <pc:picChg chg="mod">
-          <ac:chgData name="Apple Chen" userId="72ed978047974c08" providerId="LiveId" clId="{0177A3EC-3368-459D-AC9D-EB9863C8E641}" dt="2023-06-19T15:32:26.265" v="46" actId="14100"/>
-          <ac:picMkLst>
-            <pc:docMk/>
-            <pc:sldMk cId="2264934969" sldId="308"/>
-            <ac:picMk id="2" creationId="{D9B92FEC-54D1-C588-B33A-27794297C9DC}"/>
-          </ac:picMkLst>
-        </pc:picChg>
-      </pc:sldChg>
-    </pc:docChg>
-  </pc:docChgLst>
 </pc:chgInfo>
 </file>
 
@@ -2397,6 +2398,115 @@
 </file>
 
 <file path=ppt/notesSlides/notesSlide11.xml><?xml version="1.0" encoding="utf-8"?>
+<p:notes xmlns:a="http://schemas.openxmlformats.org/drawingml/2006/main" xmlns:r="http://schemas.openxmlformats.org/officeDocument/2006/relationships" xmlns:p="http://schemas.openxmlformats.org/presentationml/2006/main" showMasterSp="0" showMasterPhAnim="0">
+  <p:cSld>
+    <p:spTree>
+      <p:nvGrpSpPr>
+        <p:cNvPr id="1" name="Shape 167"/>
+        <p:cNvGrpSpPr/>
+        <p:nvPr/>
+      </p:nvGrpSpPr>
+      <p:grpSpPr>
+        <a:xfrm>
+          <a:off x="0" y="0"/>
+          <a:ext cx="0" cy="0"/>
+          <a:chOff x="0" y="0"/>
+          <a:chExt cx="0" cy="0"/>
+        </a:xfrm>
+      </p:grpSpPr>
+      <p:sp>
+        <p:nvSpPr>
+          <p:cNvPr id="168" name="Google Shape;168;ge5b77b3be0_0_33:notes"/>
+          <p:cNvSpPr>
+            <a:spLocks noGrp="1" noRot="1" noChangeAspect="1"/>
+          </p:cNvSpPr>
+          <p:nvPr>
+            <p:ph type="sldImg" idx="2"/>
+          </p:nvPr>
+        </p:nvSpPr>
+        <p:spPr>
+          <a:xfrm>
+            <a:off x="381000" y="685800"/>
+            <a:ext cx="6096000" cy="3429000"/>
+          </a:xfrm>
+          <a:custGeom>
+            <a:avLst/>
+            <a:gdLst/>
+            <a:ahLst/>
+            <a:cxnLst/>
+            <a:rect l="l" t="t" r="r" b="b"/>
+            <a:pathLst>
+              <a:path w="120000" h="120000" extrusionOk="0">
+                <a:moveTo>
+                  <a:pt x="0" y="0"/>
+                </a:moveTo>
+                <a:lnTo>
+                  <a:pt x="120000" y="0"/>
+                </a:lnTo>
+                <a:lnTo>
+                  <a:pt x="120000" y="120000"/>
+                </a:lnTo>
+                <a:lnTo>
+                  <a:pt x="0" y="120000"/>
+                </a:lnTo>
+                <a:close/>
+              </a:path>
+            </a:pathLst>
+          </a:custGeom>
+        </p:spPr>
+      </p:sp>
+      <p:sp>
+        <p:nvSpPr>
+          <p:cNvPr id="169" name="Google Shape;169;ge5b77b3be0_0_33:notes"/>
+          <p:cNvSpPr txBox="1">
+            <a:spLocks noGrp="1"/>
+          </p:cNvSpPr>
+          <p:nvPr>
+            <p:ph type="body" idx="1"/>
+          </p:nvPr>
+        </p:nvSpPr>
+        <p:spPr>
+          <a:xfrm>
+            <a:off x="685800" y="4343400"/>
+            <a:ext cx="5486400" cy="4114800"/>
+          </a:xfrm>
+          <a:prstGeom prst="rect">
+            <a:avLst/>
+          </a:prstGeom>
+        </p:spPr>
+        <p:txBody>
+          <a:bodyPr spcFirstLastPara="1" wrap="square" lIns="91425" tIns="91425" rIns="91425" bIns="91425" anchor="t" anchorCtr="0">
+            <a:noAutofit/>
+          </a:bodyPr>
+          <a:lstStyle/>
+          <a:p>
+            <a:pPr marL="0" lvl="0" indent="0" algn="l" rtl="0">
+              <a:spcBef>
+                <a:spcPts val="0"/>
+              </a:spcBef>
+              <a:spcAft>
+                <a:spcPts val="0"/>
+              </a:spcAft>
+              <a:buNone/>
+            </a:pPr>
+            <a:endParaRPr/>
+          </a:p>
+        </p:txBody>
+      </p:sp>
+    </p:spTree>
+    <p:extLst>
+      <p:ext uri="{BB962C8B-B14F-4D97-AF65-F5344CB8AC3E}">
+        <p14:creationId xmlns:p14="http://schemas.microsoft.com/office/powerpoint/2010/main" val="3811884114"/>
+      </p:ext>
+    </p:extLst>
+  </p:cSld>
+  <p:clrMapOvr>
+    <a:masterClrMapping/>
+  </p:clrMapOvr>
+</p:notes>
+</file>
+
+<file path=ppt/notesSlides/notesSlide12.xml><?xml version="1.0" encoding="utf-8"?>
 <p:notes xmlns:a="http://schemas.openxmlformats.org/drawingml/2006/main" xmlns:r="http://schemas.openxmlformats.org/officeDocument/2006/relationships" xmlns:p="http://schemas.openxmlformats.org/presentationml/2006/main" showMasterSp="0" showMasterPhAnim="0">
   <p:cSld>
     <p:spTree>
@@ -9003,6 +9113,114 @@
   <p:cSld>
     <p:spTree>
       <p:nvGrpSpPr>
+        <p:cNvPr id="1" name="Shape 170"/>
+        <p:cNvGrpSpPr/>
+        <p:nvPr/>
+      </p:nvGrpSpPr>
+      <p:grpSpPr>
+        <a:xfrm>
+          <a:off x="0" y="0"/>
+          <a:ext cx="0" cy="0"/>
+          <a:chOff x="0" y="0"/>
+          <a:chExt cx="0" cy="0"/>
+        </a:xfrm>
+      </p:grpSpPr>
+      <p:sp>
+        <p:nvSpPr>
+          <p:cNvPr id="171" name="Google Shape;171;p30"/>
+          <p:cNvSpPr txBox="1">
+            <a:spLocks noGrp="1"/>
+          </p:cNvSpPr>
+          <p:nvPr>
+            <p:ph type="title"/>
+          </p:nvPr>
+        </p:nvSpPr>
+        <p:spPr>
+          <a:xfrm>
+            <a:off x="720000" y="248675"/>
+            <a:ext cx="7704000" cy="572700"/>
+          </a:xfrm>
+          <a:prstGeom prst="rect">
+            <a:avLst/>
+          </a:prstGeom>
+        </p:spPr>
+        <p:txBody>
+          <a:bodyPr spcFirstLastPara="1" wrap="square" lIns="91425" tIns="91425" rIns="91425" bIns="91425" anchor="ctr" anchorCtr="0">
+            <a:noAutofit/>
+          </a:bodyPr>
+          <a:lstStyle/>
+          <a:p>
+            <a:pPr marL="0" lvl="0" indent="0" algn="ctr" rtl="0">
+              <a:spcBef>
+                <a:spcPts val="0"/>
+              </a:spcBef>
+              <a:spcAft>
+                <a:spcPts val="0"/>
+              </a:spcAft>
+              <a:buNone/>
+            </a:pPr>
+            <a:r>
+              <a:rPr lang="zh-TW" altLang="en-US" b="1" dirty="0">
+                <a:latin typeface="+mn-ea"/>
+                <a:ea typeface="+mn-ea"/>
+              </a:rPr>
+              <a:t>分工表</a:t>
+            </a:r>
+            <a:endParaRPr b="1" dirty="0">
+              <a:latin typeface="+mn-ea"/>
+              <a:ea typeface="+mn-ea"/>
+            </a:endParaRPr>
+          </a:p>
+        </p:txBody>
+      </p:sp>
+      <p:pic>
+        <p:nvPicPr>
+          <p:cNvPr id="4" name="Picture 3">
+            <a:extLst>
+              <a:ext uri="{FF2B5EF4-FFF2-40B4-BE49-F238E27FC236}">
+                <a16:creationId xmlns:a16="http://schemas.microsoft.com/office/drawing/2014/main" id="{1E6411B6-76A4-3F3A-C3A9-EFA889405DBD}"/>
+              </a:ext>
+            </a:extLst>
+          </p:cNvPr>
+          <p:cNvPicPr>
+            <a:picLocks noChangeAspect="1"/>
+          </p:cNvPicPr>
+          <p:nvPr/>
+        </p:nvPicPr>
+        <p:blipFill>
+          <a:blip r:embed="rId3"/>
+          <a:stretch>
+            <a:fillRect/>
+          </a:stretch>
+        </p:blipFill>
+        <p:spPr>
+          <a:xfrm>
+            <a:off x="2365742" y="821375"/>
+            <a:ext cx="4412516" cy="4243238"/>
+          </a:xfrm>
+          <a:prstGeom prst="rect">
+            <a:avLst/>
+          </a:prstGeom>
+        </p:spPr>
+      </p:pic>
+    </p:spTree>
+    <p:extLst>
+      <p:ext uri="{BB962C8B-B14F-4D97-AF65-F5344CB8AC3E}">
+        <p14:creationId xmlns:p14="http://schemas.microsoft.com/office/powerpoint/2010/main" val="4033851290"/>
+      </p:ext>
+    </p:extLst>
+  </p:cSld>
+  <p:clrMapOvr>
+    <a:masterClrMapping/>
+  </p:clrMapOvr>
+</p:sld>
+</file>
+
+<file path=ppt/slides/slide12.xml><?xml version="1.0" encoding="utf-8"?>
+<p:sld xmlns:a="http://schemas.openxmlformats.org/drawingml/2006/main" xmlns:r="http://schemas.openxmlformats.org/officeDocument/2006/relationships" xmlns:p="http://schemas.openxmlformats.org/presentationml/2006/main">
+  <p:cSld>
+    <p:spTree>
+      <p:nvGrpSpPr>
         <p:cNvPr id="1" name="Shape 508"/>
         <p:cNvGrpSpPr/>
         <p:nvPr/>
